--- a/gallery/imgs.pptx
+++ b/gallery/imgs.pptx
@@ -5,18 +5,29 @@
     <p:sldMasterId id="2147483660" r:id="rId1"/>
   </p:sldMasterIdLst>
   <p:sldIdLst>
-    <p:sldId id="256" r:id="rId2"/>
-    <p:sldId id="257" r:id="rId3"/>
-    <p:sldId id="267" r:id="rId4"/>
-    <p:sldId id="258" r:id="rId5"/>
-    <p:sldId id="259" r:id="rId6"/>
-    <p:sldId id="260" r:id="rId7"/>
-    <p:sldId id="261" r:id="rId8"/>
-    <p:sldId id="262" r:id="rId9"/>
-    <p:sldId id="263" r:id="rId10"/>
-    <p:sldId id="264" r:id="rId11"/>
-    <p:sldId id="265" r:id="rId12"/>
-    <p:sldId id="266" r:id="rId13"/>
+    <p:sldId id="257" r:id="rId2"/>
+    <p:sldId id="267" r:id="rId3"/>
+    <p:sldId id="258" r:id="rId4"/>
+    <p:sldId id="259" r:id="rId5"/>
+    <p:sldId id="260" r:id="rId6"/>
+    <p:sldId id="261" r:id="rId7"/>
+    <p:sldId id="262" r:id="rId8"/>
+    <p:sldId id="263" r:id="rId9"/>
+    <p:sldId id="264" r:id="rId10"/>
+    <p:sldId id="265" r:id="rId11"/>
+    <p:sldId id="266" r:id="rId12"/>
+    <p:sldId id="268" r:id="rId13"/>
+    <p:sldId id="269" r:id="rId14"/>
+    <p:sldId id="270" r:id="rId15"/>
+    <p:sldId id="271" r:id="rId16"/>
+    <p:sldId id="272" r:id="rId17"/>
+    <p:sldId id="273" r:id="rId18"/>
+    <p:sldId id="274" r:id="rId19"/>
+    <p:sldId id="275" r:id="rId20"/>
+    <p:sldId id="276" r:id="rId21"/>
+    <p:sldId id="277" r:id="rId22"/>
+    <p:sldId id="278" r:id="rId23"/>
+    <p:sldId id="256" r:id="rId24"/>
   </p:sldIdLst>
   <p:sldSz cx="7199313" cy="7199313"/>
   <p:notesSz cx="9144000" cy="6858000"/>
@@ -115,6 +126,11 @@
       </a:defRPr>
     </a:lvl9pPr>
   </p:defaultTextStyle>
+  <p:extLst>
+    <p:ext uri="{EFAFB233-063F-42B5-8137-9DF3F51BA10A}">
+      <p15:sldGuideLst xmlns:p15="http://schemas.microsoft.com/office/powerpoint/2012/main"/>
+    </p:ext>
+  </p:extLst>
 </p:presentation>
 </file>
 
@@ -2977,334 +2993,6 @@
           <a:chExt cx="0" cy="0"/>
         </a:xfrm>
       </p:grpSpPr>
-      <p:sp>
-        <p:nvSpPr>
-          <p:cNvPr id="4" name="Rechteck 3">
-            <a:extLst>
-              <a:ext uri="{FF2B5EF4-FFF2-40B4-BE49-F238E27FC236}">
-                <a16:creationId xmlns:a16="http://schemas.microsoft.com/office/drawing/2014/main" id="{C50BE7DD-FB62-444E-AAD6-F67A72D2DAE9}"/>
-              </a:ext>
-            </a:extLst>
-          </p:cNvPr>
-          <p:cNvSpPr/>
-          <p:nvPr/>
-        </p:nvSpPr>
-        <p:spPr>
-          <a:xfrm>
-            <a:off x="1800225" y="228710"/>
-            <a:ext cx="3597275" cy="6463308"/>
-          </a:xfrm>
-          <a:prstGeom prst="rect">
-            <a:avLst/>
-          </a:prstGeom>
-        </p:spPr>
-        <p:txBody>
-          <a:bodyPr>
-            <a:spAutoFit/>
-          </a:bodyPr>
-          <a:lstStyle/>
-          <a:p>
-            <a:r>
-              <a:rPr lang="de-DE" dirty="0"/>
-              <a:t>EASTEREGG</a:t>
-            </a:r>
-          </a:p>
-          <a:p>
-            <a:r>
-              <a:rPr lang="de-DE" dirty="0"/>
-              <a:t>SNAKE</a:t>
-            </a:r>
-          </a:p>
-          <a:p>
-            <a:r>
-              <a:rPr lang="de-DE" dirty="0"/>
-              <a:t>PONG</a:t>
-            </a:r>
-          </a:p>
-          <a:p>
-            <a:r>
-              <a:rPr lang="de-DE" dirty="0"/>
-              <a:t>TETRIS</a:t>
-            </a:r>
-          </a:p>
-          <a:p>
-            <a:r>
-              <a:rPr lang="de-DE" dirty="0"/>
-              <a:t>SHOOTER</a:t>
-            </a:r>
-          </a:p>
-          <a:p>
-            <a:r>
-              <a:rPr lang="de-DE" dirty="0"/>
-              <a:t>REEEE</a:t>
-            </a:r>
-          </a:p>
-          <a:p>
-            <a:endParaRPr lang="de-DE" dirty="0"/>
-          </a:p>
-          <a:p>
-            <a:r>
-              <a:rPr lang="de-DE" dirty="0"/>
-              <a:t>TREE</a:t>
-            </a:r>
-          </a:p>
-          <a:p>
-            <a:r>
-              <a:rPr lang="de-DE" dirty="0"/>
-              <a:t>WATER</a:t>
-            </a:r>
-          </a:p>
-          <a:p>
-            <a:r>
-              <a:rPr lang="de-DE" dirty="0"/>
-              <a:t>SHEEP</a:t>
-            </a:r>
-          </a:p>
-          <a:p>
-            <a:r>
-              <a:rPr lang="de-DE" dirty="0"/>
-              <a:t>FISH</a:t>
-            </a:r>
-          </a:p>
-          <a:p>
-            <a:r>
-              <a:rPr lang="de-DE" dirty="0"/>
-              <a:t>GUY</a:t>
-            </a:r>
-          </a:p>
-          <a:p>
-            <a:r>
-              <a:rPr lang="de-DE" dirty="0"/>
-              <a:t>TEA</a:t>
-            </a:r>
-          </a:p>
-          <a:p>
-            <a:r>
-              <a:rPr lang="de-DE" dirty="0"/>
-              <a:t>GIRL</a:t>
-            </a:r>
-          </a:p>
-          <a:p>
-            <a:r>
-              <a:rPr lang="de-DE" dirty="0"/>
-              <a:t>TIGER</a:t>
-            </a:r>
-          </a:p>
-          <a:p>
-            <a:r>
-              <a:rPr lang="de-DE" dirty="0"/>
-              <a:t>DOG</a:t>
-            </a:r>
-          </a:p>
-          <a:p>
-            <a:r>
-              <a:rPr lang="de-DE" dirty="0"/>
-              <a:t>GOAT</a:t>
-            </a:r>
-          </a:p>
-          <a:p>
-            <a:r>
-              <a:rPr lang="de-DE" dirty="0"/>
-              <a:t>HORSE</a:t>
-            </a:r>
-          </a:p>
-          <a:p>
-            <a:r>
-              <a:rPr lang="de-DE" dirty="0"/>
-              <a:t>DEER</a:t>
-            </a:r>
-          </a:p>
-          <a:p>
-            <a:r>
-              <a:rPr lang="de-DE" dirty="0"/>
-              <a:t>WHALE</a:t>
-            </a:r>
-          </a:p>
-          <a:p>
-            <a:r>
-              <a:rPr lang="de-DE" dirty="0"/>
-              <a:t>SEA</a:t>
-            </a:r>
-          </a:p>
-          <a:p>
-            <a:r>
-              <a:rPr lang="de-DE" dirty="0"/>
-              <a:t>ROAD</a:t>
-            </a:r>
-          </a:p>
-          <a:p>
-            <a:r>
-              <a:rPr lang="de-DE" dirty="0"/>
-              <a:t>PRESIDENT</a:t>
-            </a:r>
-          </a:p>
-        </p:txBody>
-      </p:sp>
-    </p:spTree>
-    <p:extLst>
-      <p:ext uri="{BB962C8B-B14F-4D97-AF65-F5344CB8AC3E}">
-        <p14:creationId xmlns:p14="http://schemas.microsoft.com/office/powerpoint/2010/main" val="3361332487"/>
-      </p:ext>
-    </p:extLst>
-  </p:cSld>
-  <p:clrMapOvr>
-    <a:masterClrMapping/>
-  </p:clrMapOvr>
-</p:sld>
-</file>
-
-<file path=ppt/slides/slide10.xml><?xml version="1.0" encoding="utf-8"?>
-<p:sld xmlns:a="http://schemas.openxmlformats.org/drawingml/2006/main" xmlns:r="http://schemas.openxmlformats.org/officeDocument/2006/relationships" xmlns:p="http://schemas.openxmlformats.org/presentationml/2006/main">
-  <p:cSld>
-    <p:spTree>
-      <p:nvGrpSpPr>
-        <p:cNvPr id="1" name=""/>
-        <p:cNvGrpSpPr/>
-        <p:nvPr/>
-      </p:nvGrpSpPr>
-      <p:grpSpPr>
-        <a:xfrm>
-          <a:off x="0" y="0"/>
-          <a:ext cx="0" cy="0"/>
-          <a:chOff x="0" y="0"/>
-          <a:chExt cx="0" cy="0"/>
-        </a:xfrm>
-      </p:grpSpPr>
-      <p:pic>
-        <p:nvPicPr>
-          <p:cNvPr id="7170" name="Picture 2" descr="Human Behavior,Head,Cattle Like Mammal PNG Clipart - Royalty Free ...">
-            <a:extLst>
-              <a:ext uri="{FF2B5EF4-FFF2-40B4-BE49-F238E27FC236}">
-                <a16:creationId xmlns:a16="http://schemas.microsoft.com/office/drawing/2014/main" id="{31B6F2FA-131E-4E99-88A6-527DB3272A60}"/>
-              </a:ext>
-            </a:extLst>
-          </p:cNvPr>
-          <p:cNvPicPr>
-            <a:picLocks noChangeAspect="1" noChangeArrowheads="1"/>
-          </p:cNvPicPr>
-          <p:nvPr/>
-        </p:nvPicPr>
-        <p:blipFill rotWithShape="1">
-          <a:blip r:embed="rId2">
-            <a:extLst>
-              <a:ext uri="{28A0092B-C50C-407E-A947-70E740481C1C}">
-                <a14:useLocalDpi xmlns:a14="http://schemas.microsoft.com/office/drawing/2010/main" val="0"/>
-              </a:ext>
-            </a:extLst>
-          </a:blip>
-          <a:srcRect l="-2211" t="-7151" r="-2211" b="-7151"/>
-          <a:stretch/>
-        </p:blipFill>
-        <p:spPr bwMode="auto">
-          <a:xfrm>
-            <a:off x="0" y="-1"/>
-            <a:ext cx="7199316" cy="7199314"/>
-          </a:xfrm>
-          <a:prstGeom prst="rect">
-            <a:avLst/>
-          </a:prstGeom>
-          <a:noFill/>
-          <a:extLst>
-            <a:ext uri="{909E8E84-426E-40DD-AFC4-6F175D3DCCD1}">
-              <a14:hiddenFill xmlns:a14="http://schemas.microsoft.com/office/drawing/2010/main">
-                <a:solidFill>
-                  <a:srgbClr val="FFFFFF"/>
-                </a:solidFill>
-              </a14:hiddenFill>
-            </a:ext>
-          </a:extLst>
-        </p:spPr>
-      </p:pic>
-    </p:spTree>
-    <p:extLst>
-      <p:ext uri="{BB962C8B-B14F-4D97-AF65-F5344CB8AC3E}">
-        <p14:creationId xmlns:p14="http://schemas.microsoft.com/office/powerpoint/2010/main" val="2873145653"/>
-      </p:ext>
-    </p:extLst>
-  </p:cSld>
-  <p:clrMapOvr>
-    <a:masterClrMapping/>
-  </p:clrMapOvr>
-</p:sld>
-</file>
-
-<file path=ppt/slides/slide11.xml><?xml version="1.0" encoding="utf-8"?>
-<p:sld xmlns:a="http://schemas.openxmlformats.org/drawingml/2006/main" xmlns:r="http://schemas.openxmlformats.org/officeDocument/2006/relationships" xmlns:p="http://schemas.openxmlformats.org/presentationml/2006/main">
-  <p:cSld>
-    <p:spTree>
-      <p:nvGrpSpPr>
-        <p:cNvPr id="1" name=""/>
-        <p:cNvGrpSpPr/>
-        <p:nvPr/>
-      </p:nvGrpSpPr>
-      <p:grpSpPr>
-        <a:xfrm>
-          <a:off x="0" y="0"/>
-          <a:ext cx="0" cy="0"/>
-          <a:chOff x="0" y="0"/>
-          <a:chExt cx="0" cy="0"/>
-        </a:xfrm>
-      </p:grpSpPr>
-    </p:spTree>
-    <p:extLst>
-      <p:ext uri="{BB962C8B-B14F-4D97-AF65-F5344CB8AC3E}">
-        <p14:creationId xmlns:p14="http://schemas.microsoft.com/office/powerpoint/2010/main" val="1279787313"/>
-      </p:ext>
-    </p:extLst>
-  </p:cSld>
-  <p:clrMapOvr>
-    <a:masterClrMapping/>
-  </p:clrMapOvr>
-</p:sld>
-</file>
-
-<file path=ppt/slides/slide12.xml><?xml version="1.0" encoding="utf-8"?>
-<p:sld xmlns:a="http://schemas.openxmlformats.org/drawingml/2006/main" xmlns:r="http://schemas.openxmlformats.org/officeDocument/2006/relationships" xmlns:p="http://schemas.openxmlformats.org/presentationml/2006/main">
-  <p:cSld>
-    <p:spTree>
-      <p:nvGrpSpPr>
-        <p:cNvPr id="1" name=""/>
-        <p:cNvGrpSpPr/>
-        <p:nvPr/>
-      </p:nvGrpSpPr>
-      <p:grpSpPr>
-        <a:xfrm>
-          <a:off x="0" y="0"/>
-          <a:ext cx="0" cy="0"/>
-          <a:chOff x="0" y="0"/>
-          <a:chExt cx="0" cy="0"/>
-        </a:xfrm>
-      </p:grpSpPr>
-    </p:spTree>
-    <p:extLst>
-      <p:ext uri="{BB962C8B-B14F-4D97-AF65-F5344CB8AC3E}">
-        <p14:creationId xmlns:p14="http://schemas.microsoft.com/office/powerpoint/2010/main" val="1527582239"/>
-      </p:ext>
-    </p:extLst>
-  </p:cSld>
-  <p:clrMapOvr>
-    <a:masterClrMapping/>
-  </p:clrMapOvr>
-</p:sld>
-</file>
-
-<file path=ppt/slides/slide2.xml><?xml version="1.0" encoding="utf-8"?>
-<p:sld xmlns:a="http://schemas.openxmlformats.org/drawingml/2006/main" xmlns:r="http://schemas.openxmlformats.org/officeDocument/2006/relationships" xmlns:p="http://schemas.openxmlformats.org/presentationml/2006/main">
-  <p:cSld>
-    <p:spTree>
-      <p:nvGrpSpPr>
-        <p:cNvPr id="1" name=""/>
-        <p:cNvGrpSpPr/>
-        <p:nvPr/>
-      </p:nvGrpSpPr>
-      <p:grpSpPr>
-        <a:xfrm>
-          <a:off x="0" y="0"/>
-          <a:ext cx="0" cy="0"/>
-          <a:chOff x="0" y="0"/>
-          <a:chExt cx="0" cy="0"/>
-        </a:xfrm>
-      </p:grpSpPr>
       <p:pic>
         <p:nvPicPr>
           <p:cNvPr id="1026" name="Picture 2" descr="Egg picture beats Kylie Jenner as most-liked Instagram post of all ...">
@@ -3363,7 +3051,763 @@
 </p:sld>
 </file>
 
-<file path=ppt/slides/slide3.xml><?xml version="1.0" encoding="utf-8"?>
+<file path=ppt/slides/slide10.xml><?xml version="1.0" encoding="utf-8"?>
+<p:sld xmlns:a="http://schemas.openxmlformats.org/drawingml/2006/main" xmlns:r="http://schemas.openxmlformats.org/officeDocument/2006/relationships" xmlns:p="http://schemas.openxmlformats.org/presentationml/2006/main">
+  <p:cSld>
+    <p:spTree>
+      <p:nvGrpSpPr>
+        <p:cNvPr id="1" name=""/>
+        <p:cNvGrpSpPr/>
+        <p:nvPr/>
+      </p:nvGrpSpPr>
+      <p:grpSpPr>
+        <a:xfrm>
+          <a:off x="0" y="0"/>
+          <a:ext cx="0" cy="0"/>
+          <a:chOff x="0" y="0"/>
+          <a:chExt cx="0" cy="0"/>
+        </a:xfrm>
+      </p:grpSpPr>
+      <p:pic>
+        <p:nvPicPr>
+          <p:cNvPr id="1026" name="Picture 2" descr="Why do fish feel slimy and lose scales when you touch them? - BBC ...">
+            <a:extLst>
+              <a:ext uri="{FF2B5EF4-FFF2-40B4-BE49-F238E27FC236}">
+                <a16:creationId xmlns:a16="http://schemas.microsoft.com/office/drawing/2014/main" id="{DBCD4525-6238-490B-8D5F-48BEAE385EE5}"/>
+              </a:ext>
+            </a:extLst>
+          </p:cNvPr>
+          <p:cNvPicPr>
+            <a:picLocks noChangeAspect="1" noChangeArrowheads="1"/>
+          </p:cNvPicPr>
+          <p:nvPr/>
+        </p:nvPicPr>
+        <p:blipFill rotWithShape="1">
+          <a:blip r:embed="rId2">
+            <a:extLst>
+              <a:ext uri="{28A0092B-C50C-407E-A947-70E740481C1C}">
+                <a14:useLocalDpi xmlns:a14="http://schemas.microsoft.com/office/drawing/2010/main" val="0"/>
+              </a:ext>
+            </a:extLst>
+          </a:blip>
+          <a:srcRect l="2438" t="-34956" r="25274" b="-34905"/>
+          <a:stretch/>
+        </p:blipFill>
+        <p:spPr bwMode="auto">
+          <a:xfrm>
+            <a:off x="-1" y="-1"/>
+            <a:ext cx="7199313" cy="7199313"/>
+          </a:xfrm>
+          <a:prstGeom prst="rect">
+            <a:avLst/>
+          </a:prstGeom>
+          <a:noFill/>
+          <a:extLst>
+            <a:ext uri="{909E8E84-426E-40DD-AFC4-6F175D3DCCD1}">
+              <a14:hiddenFill xmlns:a14="http://schemas.microsoft.com/office/drawing/2010/main">
+                <a:solidFill>
+                  <a:srgbClr val="FFFFFF"/>
+                </a:solidFill>
+              </a14:hiddenFill>
+            </a:ext>
+          </a:extLst>
+        </p:spPr>
+      </p:pic>
+    </p:spTree>
+    <p:extLst>
+      <p:ext uri="{BB962C8B-B14F-4D97-AF65-F5344CB8AC3E}">
+        <p14:creationId xmlns:p14="http://schemas.microsoft.com/office/powerpoint/2010/main" val="1279787313"/>
+      </p:ext>
+    </p:extLst>
+  </p:cSld>
+  <p:clrMapOvr>
+    <a:masterClrMapping/>
+  </p:clrMapOvr>
+</p:sld>
+</file>
+
+<file path=ppt/slides/slide11.xml><?xml version="1.0" encoding="utf-8"?>
+<p:sld xmlns:a="http://schemas.openxmlformats.org/drawingml/2006/main" xmlns:r="http://schemas.openxmlformats.org/officeDocument/2006/relationships" xmlns:p="http://schemas.openxmlformats.org/presentationml/2006/main">
+  <p:cSld>
+    <p:spTree>
+      <p:nvGrpSpPr>
+        <p:cNvPr id="1" name=""/>
+        <p:cNvGrpSpPr/>
+        <p:nvPr/>
+      </p:nvGrpSpPr>
+      <p:grpSpPr>
+        <a:xfrm>
+          <a:off x="0" y="0"/>
+          <a:ext cx="0" cy="0"/>
+          <a:chOff x="0" y="0"/>
+          <a:chExt cx="0" cy="0"/>
+        </a:xfrm>
+      </p:grpSpPr>
+      <p:pic>
+        <p:nvPicPr>
+          <p:cNvPr id="2050" name="Picture 2" descr="Drawing a cartoon man">
+            <a:extLst>
+              <a:ext uri="{FF2B5EF4-FFF2-40B4-BE49-F238E27FC236}">
+                <a16:creationId xmlns:a16="http://schemas.microsoft.com/office/drawing/2014/main" id="{FEFF4FB8-1CF6-4E6A-9971-0DF85A6127F6}"/>
+              </a:ext>
+            </a:extLst>
+          </p:cNvPr>
+          <p:cNvPicPr>
+            <a:picLocks noChangeAspect="1" noChangeArrowheads="1"/>
+          </p:cNvPicPr>
+          <p:nvPr/>
+        </p:nvPicPr>
+        <p:blipFill rotWithShape="1">
+          <a:blip r:embed="rId2">
+            <a:extLst>
+              <a:ext uri="{28A0092B-C50C-407E-A947-70E740481C1C}">
+                <a14:useLocalDpi xmlns:a14="http://schemas.microsoft.com/office/drawing/2010/main" val="0"/>
+              </a:ext>
+            </a:extLst>
+          </a:blip>
+          <a:srcRect l="-16269" t="2410" r="-16269" b="2410"/>
+          <a:stretch/>
+        </p:blipFill>
+        <p:spPr bwMode="auto">
+          <a:xfrm>
+            <a:off x="1" y="0"/>
+            <a:ext cx="7197724" cy="7197724"/>
+          </a:xfrm>
+          <a:prstGeom prst="rect">
+            <a:avLst/>
+          </a:prstGeom>
+          <a:noFill/>
+          <a:extLst>
+            <a:ext uri="{909E8E84-426E-40DD-AFC4-6F175D3DCCD1}">
+              <a14:hiddenFill xmlns:a14="http://schemas.microsoft.com/office/drawing/2010/main">
+                <a:solidFill>
+                  <a:srgbClr val="FFFFFF"/>
+                </a:solidFill>
+              </a14:hiddenFill>
+            </a:ext>
+          </a:extLst>
+        </p:spPr>
+      </p:pic>
+    </p:spTree>
+    <p:extLst>
+      <p:ext uri="{BB962C8B-B14F-4D97-AF65-F5344CB8AC3E}">
+        <p14:creationId xmlns:p14="http://schemas.microsoft.com/office/powerpoint/2010/main" val="1527582239"/>
+      </p:ext>
+    </p:extLst>
+  </p:cSld>
+  <p:clrMapOvr>
+    <a:masterClrMapping/>
+  </p:clrMapOvr>
+</p:sld>
+</file>
+
+<file path=ppt/slides/slide12.xml><?xml version="1.0" encoding="utf-8"?>
+<p:sld xmlns:a="http://schemas.openxmlformats.org/drawingml/2006/main" xmlns:r="http://schemas.openxmlformats.org/officeDocument/2006/relationships" xmlns:p="http://schemas.openxmlformats.org/presentationml/2006/main">
+  <p:cSld>
+    <p:spTree>
+      <p:nvGrpSpPr>
+        <p:cNvPr id="1" name=""/>
+        <p:cNvGrpSpPr/>
+        <p:nvPr/>
+      </p:nvGrpSpPr>
+      <p:grpSpPr>
+        <a:xfrm>
+          <a:off x="0" y="0"/>
+          <a:ext cx="0" cy="0"/>
+          <a:chOff x="0" y="0"/>
+          <a:chExt cx="0" cy="0"/>
+        </a:xfrm>
+      </p:grpSpPr>
+      <p:pic>
+        <p:nvPicPr>
+          <p:cNvPr id="3074" name="Picture 2" descr="Green-colored cup and saucer with hot tea and a lemon slice is ...">
+            <a:extLst>
+              <a:ext uri="{FF2B5EF4-FFF2-40B4-BE49-F238E27FC236}">
+                <a16:creationId xmlns:a16="http://schemas.microsoft.com/office/drawing/2014/main" id="{D4A26B20-ED43-44AB-B5DC-483A37B27522}"/>
+              </a:ext>
+            </a:extLst>
+          </p:cNvPr>
+          <p:cNvPicPr>
+            <a:picLocks noChangeAspect="1" noChangeArrowheads="1"/>
+          </p:cNvPicPr>
+          <p:nvPr/>
+        </p:nvPicPr>
+        <p:blipFill>
+          <a:blip r:embed="rId2">
+            <a:extLst>
+              <a:ext uri="{28A0092B-C50C-407E-A947-70E740481C1C}">
+                <a14:useLocalDpi xmlns:a14="http://schemas.microsoft.com/office/drawing/2010/main" val="0"/>
+              </a:ext>
+            </a:extLst>
+          </a:blip>
+          <a:srcRect/>
+          <a:stretch>
+            <a:fillRect/>
+          </a:stretch>
+        </p:blipFill>
+        <p:spPr bwMode="auto">
+          <a:xfrm>
+            <a:off x="0" y="0"/>
+            <a:ext cx="7197726" cy="7197726"/>
+          </a:xfrm>
+          <a:prstGeom prst="rect">
+            <a:avLst/>
+          </a:prstGeom>
+          <a:noFill/>
+          <a:extLst>
+            <a:ext uri="{909E8E84-426E-40DD-AFC4-6F175D3DCCD1}">
+              <a14:hiddenFill xmlns:a14="http://schemas.microsoft.com/office/drawing/2010/main">
+                <a:solidFill>
+                  <a:srgbClr val="FFFFFF"/>
+                </a:solidFill>
+              </a14:hiddenFill>
+            </a:ext>
+          </a:extLst>
+        </p:spPr>
+      </p:pic>
+    </p:spTree>
+    <p:extLst>
+      <p:ext uri="{BB962C8B-B14F-4D97-AF65-F5344CB8AC3E}">
+        <p14:creationId xmlns:p14="http://schemas.microsoft.com/office/powerpoint/2010/main" val="4284743581"/>
+      </p:ext>
+    </p:extLst>
+  </p:cSld>
+  <p:clrMapOvr>
+    <a:masterClrMapping/>
+  </p:clrMapOvr>
+</p:sld>
+</file>
+
+<file path=ppt/slides/slide13.xml><?xml version="1.0" encoding="utf-8"?>
+<p:sld xmlns:a="http://schemas.openxmlformats.org/drawingml/2006/main" xmlns:r="http://schemas.openxmlformats.org/officeDocument/2006/relationships" xmlns:p="http://schemas.openxmlformats.org/presentationml/2006/main">
+  <p:cSld>
+    <p:spTree>
+      <p:nvGrpSpPr>
+        <p:cNvPr id="1" name=""/>
+        <p:cNvGrpSpPr/>
+        <p:nvPr/>
+      </p:nvGrpSpPr>
+      <p:grpSpPr>
+        <a:xfrm>
+          <a:off x="0" y="0"/>
+          <a:ext cx="0" cy="0"/>
+          <a:chOff x="0" y="0"/>
+          <a:chExt cx="0" cy="0"/>
+        </a:xfrm>
+      </p:grpSpPr>
+      <p:pic>
+        <p:nvPicPr>
+          <p:cNvPr id="4098" name="Picture 2" descr="How to Draw a Cartoon Girl in a Few Easy Steps | Easy Drawing Guides">
+            <a:extLst>
+              <a:ext uri="{FF2B5EF4-FFF2-40B4-BE49-F238E27FC236}">
+                <a16:creationId xmlns:a16="http://schemas.microsoft.com/office/drawing/2014/main" id="{075B7F03-BC24-4251-91B4-374A8B3520CC}"/>
+              </a:ext>
+            </a:extLst>
+          </p:cNvPr>
+          <p:cNvPicPr>
+            <a:picLocks noChangeAspect="1" noChangeArrowheads="1"/>
+          </p:cNvPicPr>
+          <p:nvPr/>
+        </p:nvPicPr>
+        <p:blipFill rotWithShape="1">
+          <a:blip r:embed="rId2">
+            <a:extLst>
+              <a:ext uri="{28A0092B-C50C-407E-A947-70E740481C1C}">
+                <a14:useLocalDpi xmlns:a14="http://schemas.microsoft.com/office/drawing/2010/main" val="0"/>
+              </a:ext>
+            </a:extLst>
+          </a:blip>
+          <a:srcRect l="5752" r="5752"/>
+          <a:stretch/>
+        </p:blipFill>
+        <p:spPr bwMode="auto">
+          <a:xfrm>
+            <a:off x="0" y="0"/>
+            <a:ext cx="7197726" cy="7197726"/>
+          </a:xfrm>
+          <a:prstGeom prst="rect">
+            <a:avLst/>
+          </a:prstGeom>
+          <a:noFill/>
+          <a:extLst>
+            <a:ext uri="{909E8E84-426E-40DD-AFC4-6F175D3DCCD1}">
+              <a14:hiddenFill xmlns:a14="http://schemas.microsoft.com/office/drawing/2010/main">
+                <a:solidFill>
+                  <a:srgbClr val="FFFFFF"/>
+                </a:solidFill>
+              </a14:hiddenFill>
+            </a:ext>
+          </a:extLst>
+        </p:spPr>
+      </p:pic>
+    </p:spTree>
+    <p:extLst>
+      <p:ext uri="{BB962C8B-B14F-4D97-AF65-F5344CB8AC3E}">
+        <p14:creationId xmlns:p14="http://schemas.microsoft.com/office/powerpoint/2010/main" val="2817718118"/>
+      </p:ext>
+    </p:extLst>
+  </p:cSld>
+  <p:clrMapOvr>
+    <a:masterClrMapping/>
+  </p:clrMapOvr>
+</p:sld>
+</file>
+
+<file path=ppt/slides/slide14.xml><?xml version="1.0" encoding="utf-8"?>
+<p:sld xmlns:a="http://schemas.openxmlformats.org/drawingml/2006/main" xmlns:r="http://schemas.openxmlformats.org/officeDocument/2006/relationships" xmlns:p="http://schemas.openxmlformats.org/presentationml/2006/main">
+  <p:cSld>
+    <p:spTree>
+      <p:nvGrpSpPr>
+        <p:cNvPr id="1" name=""/>
+        <p:cNvGrpSpPr/>
+        <p:nvPr/>
+      </p:nvGrpSpPr>
+      <p:grpSpPr>
+        <a:xfrm>
+          <a:off x="0" y="0"/>
+          <a:ext cx="0" cy="0"/>
+          <a:chOff x="0" y="0"/>
+          <a:chExt cx="0" cy="0"/>
+        </a:xfrm>
+      </p:grpSpPr>
+      <p:pic>
+        <p:nvPicPr>
+          <p:cNvPr id="5122" name="Picture 2" descr="How to Draw a Cartoon Tiger in a Few Easy Steps | Easy Drawing Guides">
+            <a:extLst>
+              <a:ext uri="{FF2B5EF4-FFF2-40B4-BE49-F238E27FC236}">
+                <a16:creationId xmlns:a16="http://schemas.microsoft.com/office/drawing/2014/main" id="{29D0E0D2-CA21-426C-A9FB-FE4513335865}"/>
+              </a:ext>
+            </a:extLst>
+          </p:cNvPr>
+          <p:cNvPicPr>
+            <a:picLocks noChangeAspect="1" noChangeArrowheads="1"/>
+          </p:cNvPicPr>
+          <p:nvPr/>
+        </p:nvPicPr>
+        <p:blipFill rotWithShape="1">
+          <a:blip r:embed="rId2">
+            <a:extLst>
+              <a:ext uri="{28A0092B-C50C-407E-A947-70E740481C1C}">
+                <a14:useLocalDpi xmlns:a14="http://schemas.microsoft.com/office/drawing/2010/main" val="0"/>
+              </a:ext>
+            </a:extLst>
+          </a:blip>
+          <a:srcRect l="5752" r="5752"/>
+          <a:stretch/>
+        </p:blipFill>
+        <p:spPr bwMode="auto">
+          <a:xfrm>
+            <a:off x="0" y="0"/>
+            <a:ext cx="7197726" cy="7197726"/>
+          </a:xfrm>
+          <a:prstGeom prst="rect">
+            <a:avLst/>
+          </a:prstGeom>
+          <a:noFill/>
+          <a:extLst>
+            <a:ext uri="{909E8E84-426E-40DD-AFC4-6F175D3DCCD1}">
+              <a14:hiddenFill xmlns:a14="http://schemas.microsoft.com/office/drawing/2010/main">
+                <a:solidFill>
+                  <a:srgbClr val="FFFFFF"/>
+                </a:solidFill>
+              </a14:hiddenFill>
+            </a:ext>
+          </a:extLst>
+        </p:spPr>
+      </p:pic>
+    </p:spTree>
+    <p:extLst>
+      <p:ext uri="{BB962C8B-B14F-4D97-AF65-F5344CB8AC3E}">
+        <p14:creationId xmlns:p14="http://schemas.microsoft.com/office/powerpoint/2010/main" val="843288298"/>
+      </p:ext>
+    </p:extLst>
+  </p:cSld>
+  <p:clrMapOvr>
+    <a:masterClrMapping/>
+  </p:clrMapOvr>
+</p:sld>
+</file>
+
+<file path=ppt/slides/slide15.xml><?xml version="1.0" encoding="utf-8"?>
+<p:sld xmlns:a="http://schemas.openxmlformats.org/drawingml/2006/main" xmlns:r="http://schemas.openxmlformats.org/officeDocument/2006/relationships" xmlns:p="http://schemas.openxmlformats.org/presentationml/2006/main">
+  <p:cSld>
+    <p:spTree>
+      <p:nvGrpSpPr>
+        <p:cNvPr id="1" name=""/>
+        <p:cNvGrpSpPr/>
+        <p:nvPr/>
+      </p:nvGrpSpPr>
+      <p:grpSpPr>
+        <a:xfrm>
+          <a:off x="0" y="0"/>
+          <a:ext cx="0" cy="0"/>
+          <a:chOff x="0" y="0"/>
+          <a:chExt cx="0" cy="0"/>
+        </a:xfrm>
+      </p:grpSpPr>
+      <p:pic>
+        <p:nvPicPr>
+          <p:cNvPr id="6146" name="Picture 2" descr="ᐈ Dog cute drawing stock drawings, Royalty Free cute dog animated ...">
+            <a:extLst>
+              <a:ext uri="{FF2B5EF4-FFF2-40B4-BE49-F238E27FC236}">
+                <a16:creationId xmlns:a16="http://schemas.microsoft.com/office/drawing/2014/main" id="{E40E190D-A2AD-49EC-88E4-BF35FD26A1DA}"/>
+              </a:ext>
+            </a:extLst>
+          </p:cNvPr>
+          <p:cNvPicPr>
+            <a:picLocks noChangeAspect="1" noChangeArrowheads="1"/>
+          </p:cNvPicPr>
+          <p:nvPr/>
+        </p:nvPicPr>
+        <p:blipFill rotWithShape="1">
+          <a:blip r:embed="rId2">
+            <a:extLst>
+              <a:ext uri="{28A0092B-C50C-407E-A947-70E740481C1C}">
+                <a14:useLocalDpi xmlns:a14="http://schemas.microsoft.com/office/drawing/2010/main" val="0"/>
+              </a:ext>
+            </a:extLst>
+          </a:blip>
+          <a:srcRect l="-14172" t="-1659" r="-14172" b="-1659"/>
+          <a:stretch/>
+        </p:blipFill>
+        <p:spPr bwMode="auto">
+          <a:xfrm>
+            <a:off x="-1" y="0"/>
+            <a:ext cx="7197728" cy="7197728"/>
+          </a:xfrm>
+          <a:prstGeom prst="rect">
+            <a:avLst/>
+          </a:prstGeom>
+          <a:noFill/>
+          <a:extLst>
+            <a:ext uri="{909E8E84-426E-40DD-AFC4-6F175D3DCCD1}">
+              <a14:hiddenFill xmlns:a14="http://schemas.microsoft.com/office/drawing/2010/main">
+                <a:solidFill>
+                  <a:srgbClr val="FFFFFF"/>
+                </a:solidFill>
+              </a14:hiddenFill>
+            </a:ext>
+          </a:extLst>
+        </p:spPr>
+      </p:pic>
+    </p:spTree>
+    <p:extLst>
+      <p:ext uri="{BB962C8B-B14F-4D97-AF65-F5344CB8AC3E}">
+        <p14:creationId xmlns:p14="http://schemas.microsoft.com/office/powerpoint/2010/main" val="257445200"/>
+      </p:ext>
+    </p:extLst>
+  </p:cSld>
+  <p:clrMapOvr>
+    <a:masterClrMapping/>
+  </p:clrMapOvr>
+</p:sld>
+</file>
+
+<file path=ppt/slides/slide16.xml><?xml version="1.0" encoding="utf-8"?>
+<p:sld xmlns:a="http://schemas.openxmlformats.org/drawingml/2006/main" xmlns:r="http://schemas.openxmlformats.org/officeDocument/2006/relationships" xmlns:p="http://schemas.openxmlformats.org/presentationml/2006/main">
+  <p:cSld>
+    <p:spTree>
+      <p:nvGrpSpPr>
+        <p:cNvPr id="1" name=""/>
+        <p:cNvGrpSpPr/>
+        <p:nvPr/>
+      </p:nvGrpSpPr>
+      <p:grpSpPr>
+        <a:xfrm>
+          <a:off x="0" y="0"/>
+          <a:ext cx="0" cy="0"/>
+          <a:chOff x="0" y="0"/>
+          <a:chExt cx="0" cy="0"/>
+        </a:xfrm>
+      </p:grpSpPr>
+      <p:pic>
+        <p:nvPicPr>
+          <p:cNvPr id="7170" name="Picture 2" descr="How to draw a goat | Goat paintings, Goat cartoon, Goat art">
+            <a:extLst>
+              <a:ext uri="{FF2B5EF4-FFF2-40B4-BE49-F238E27FC236}">
+                <a16:creationId xmlns:a16="http://schemas.microsoft.com/office/drawing/2014/main" id="{7DF6648C-7784-4B34-9EF1-9528B7F426B5}"/>
+              </a:ext>
+            </a:extLst>
+          </p:cNvPr>
+          <p:cNvPicPr>
+            <a:picLocks noChangeAspect="1" noChangeArrowheads="1"/>
+          </p:cNvPicPr>
+          <p:nvPr/>
+        </p:nvPicPr>
+        <p:blipFill rotWithShape="1">
+          <a:blip r:embed="rId2">
+            <a:extLst>
+              <a:ext uri="{28A0092B-C50C-407E-A947-70E740481C1C}">
+                <a14:useLocalDpi xmlns:a14="http://schemas.microsoft.com/office/drawing/2010/main" val="0"/>
+              </a:ext>
+            </a:extLst>
+          </a:blip>
+          <a:srcRect/>
+          <a:stretch/>
+        </p:blipFill>
+        <p:spPr bwMode="auto">
+          <a:xfrm>
+            <a:off x="0" y="0"/>
+            <a:ext cx="7197726" cy="7197726"/>
+          </a:xfrm>
+          <a:prstGeom prst="rect">
+            <a:avLst/>
+          </a:prstGeom>
+          <a:noFill/>
+          <a:extLst>
+            <a:ext uri="{909E8E84-426E-40DD-AFC4-6F175D3DCCD1}">
+              <a14:hiddenFill xmlns:a14="http://schemas.microsoft.com/office/drawing/2010/main">
+                <a:solidFill>
+                  <a:srgbClr val="FFFFFF"/>
+                </a:solidFill>
+              </a14:hiddenFill>
+            </a:ext>
+          </a:extLst>
+        </p:spPr>
+      </p:pic>
+    </p:spTree>
+    <p:extLst>
+      <p:ext uri="{BB962C8B-B14F-4D97-AF65-F5344CB8AC3E}">
+        <p14:creationId xmlns:p14="http://schemas.microsoft.com/office/powerpoint/2010/main" val="2068077881"/>
+      </p:ext>
+    </p:extLst>
+  </p:cSld>
+  <p:clrMapOvr>
+    <a:masterClrMapping/>
+  </p:clrMapOvr>
+</p:sld>
+</file>
+
+<file path=ppt/slides/slide17.xml><?xml version="1.0" encoding="utf-8"?>
+<p:sld xmlns:a="http://schemas.openxmlformats.org/drawingml/2006/main" xmlns:r="http://schemas.openxmlformats.org/officeDocument/2006/relationships" xmlns:p="http://schemas.openxmlformats.org/presentationml/2006/main">
+  <p:cSld>
+    <p:spTree>
+      <p:nvGrpSpPr>
+        <p:cNvPr id="1" name=""/>
+        <p:cNvGrpSpPr/>
+        <p:nvPr/>
+      </p:nvGrpSpPr>
+      <p:grpSpPr>
+        <a:xfrm>
+          <a:off x="0" y="0"/>
+          <a:ext cx="0" cy="0"/>
+          <a:chOff x="0" y="0"/>
+          <a:chExt cx="0" cy="0"/>
+        </a:xfrm>
+      </p:grpSpPr>
+      <p:pic>
+        <p:nvPicPr>
+          <p:cNvPr id="8194" name="Picture 2" descr="How to Draw a Horse Step by Step Tutorial for Kids (Cartooning ...">
+            <a:extLst>
+              <a:ext uri="{FF2B5EF4-FFF2-40B4-BE49-F238E27FC236}">
+                <a16:creationId xmlns:a16="http://schemas.microsoft.com/office/drawing/2014/main" id="{50D7909D-25DD-493C-AF7D-8B8029F69D39}"/>
+              </a:ext>
+            </a:extLst>
+          </p:cNvPr>
+          <p:cNvPicPr>
+            <a:picLocks noChangeAspect="1" noChangeArrowheads="1"/>
+          </p:cNvPicPr>
+          <p:nvPr/>
+        </p:nvPicPr>
+        <p:blipFill rotWithShape="1">
+          <a:blip r:embed="rId2">
+            <a:extLst>
+              <a:ext uri="{28A0092B-C50C-407E-A947-70E740481C1C}">
+                <a14:useLocalDpi xmlns:a14="http://schemas.microsoft.com/office/drawing/2010/main" val="0"/>
+              </a:ext>
+            </a:extLst>
+          </a:blip>
+          <a:srcRect l="14310" t="4482" r="12370" b="9977"/>
+          <a:stretch/>
+        </p:blipFill>
+        <p:spPr bwMode="auto">
+          <a:xfrm>
+            <a:off x="0" y="0"/>
+            <a:ext cx="7199313" cy="7199313"/>
+          </a:xfrm>
+          <a:prstGeom prst="rect">
+            <a:avLst/>
+          </a:prstGeom>
+          <a:noFill/>
+          <a:extLst>
+            <a:ext uri="{909E8E84-426E-40DD-AFC4-6F175D3DCCD1}">
+              <a14:hiddenFill xmlns:a14="http://schemas.microsoft.com/office/drawing/2010/main">
+                <a:solidFill>
+                  <a:srgbClr val="FFFFFF"/>
+                </a:solidFill>
+              </a14:hiddenFill>
+            </a:ext>
+          </a:extLst>
+        </p:spPr>
+      </p:pic>
+    </p:spTree>
+    <p:extLst>
+      <p:ext uri="{BB962C8B-B14F-4D97-AF65-F5344CB8AC3E}">
+        <p14:creationId xmlns:p14="http://schemas.microsoft.com/office/powerpoint/2010/main" val="2083498645"/>
+      </p:ext>
+    </p:extLst>
+  </p:cSld>
+  <p:clrMapOvr>
+    <a:masterClrMapping/>
+  </p:clrMapOvr>
+</p:sld>
+</file>
+
+<file path=ppt/slides/slide18.xml><?xml version="1.0" encoding="utf-8"?>
+<p:sld xmlns:a="http://schemas.openxmlformats.org/drawingml/2006/main" xmlns:r="http://schemas.openxmlformats.org/officeDocument/2006/relationships" xmlns:p="http://schemas.openxmlformats.org/presentationml/2006/main">
+  <p:cSld>
+    <p:spTree>
+      <p:nvGrpSpPr>
+        <p:cNvPr id="1" name=""/>
+        <p:cNvGrpSpPr/>
+        <p:nvPr/>
+      </p:nvGrpSpPr>
+      <p:grpSpPr>
+        <a:xfrm>
+          <a:off x="0" y="0"/>
+          <a:ext cx="0" cy="0"/>
+          <a:chOff x="0" y="0"/>
+          <a:chExt cx="0" cy="0"/>
+        </a:xfrm>
+      </p:grpSpPr>
+      <p:pic>
+        <p:nvPicPr>
+          <p:cNvPr id="9218" name="Picture 2" descr="Drawing a cartoon deer | Deer drawing, Deer cartoon, Animal drawings">
+            <a:extLst>
+              <a:ext uri="{FF2B5EF4-FFF2-40B4-BE49-F238E27FC236}">
+                <a16:creationId xmlns:a16="http://schemas.microsoft.com/office/drawing/2014/main" id="{76CDFFDE-9336-4CB3-AB01-6DB536B6D9CD}"/>
+              </a:ext>
+            </a:extLst>
+          </p:cNvPr>
+          <p:cNvPicPr>
+            <a:picLocks noChangeAspect="1" noChangeArrowheads="1"/>
+          </p:cNvPicPr>
+          <p:nvPr/>
+        </p:nvPicPr>
+        <p:blipFill>
+          <a:blip r:embed="rId2">
+            <a:extLst>
+              <a:ext uri="{28A0092B-C50C-407E-A947-70E740481C1C}">
+                <a14:useLocalDpi xmlns:a14="http://schemas.microsoft.com/office/drawing/2010/main" val="0"/>
+              </a:ext>
+            </a:extLst>
+          </a:blip>
+          <a:srcRect/>
+          <a:stretch>
+            <a:fillRect/>
+          </a:stretch>
+        </p:blipFill>
+        <p:spPr bwMode="auto">
+          <a:xfrm>
+            <a:off x="0" y="0"/>
+            <a:ext cx="7197726" cy="7197726"/>
+          </a:xfrm>
+          <a:prstGeom prst="rect">
+            <a:avLst/>
+          </a:prstGeom>
+          <a:noFill/>
+          <a:extLst>
+            <a:ext uri="{909E8E84-426E-40DD-AFC4-6F175D3DCCD1}">
+              <a14:hiddenFill xmlns:a14="http://schemas.microsoft.com/office/drawing/2010/main">
+                <a:solidFill>
+                  <a:srgbClr val="FFFFFF"/>
+                </a:solidFill>
+              </a14:hiddenFill>
+            </a:ext>
+          </a:extLst>
+        </p:spPr>
+      </p:pic>
+    </p:spTree>
+    <p:extLst>
+      <p:ext uri="{BB962C8B-B14F-4D97-AF65-F5344CB8AC3E}">
+        <p14:creationId xmlns:p14="http://schemas.microsoft.com/office/powerpoint/2010/main" val="3049772982"/>
+      </p:ext>
+    </p:extLst>
+  </p:cSld>
+  <p:clrMapOvr>
+    <a:masterClrMapping/>
+  </p:clrMapOvr>
+</p:sld>
+</file>
+
+<file path=ppt/slides/slide19.xml><?xml version="1.0" encoding="utf-8"?>
+<p:sld xmlns:a="http://schemas.openxmlformats.org/drawingml/2006/main" xmlns:r="http://schemas.openxmlformats.org/officeDocument/2006/relationships" xmlns:p="http://schemas.openxmlformats.org/presentationml/2006/main">
+  <p:cSld>
+    <p:spTree>
+      <p:nvGrpSpPr>
+        <p:cNvPr id="1" name=""/>
+        <p:cNvGrpSpPr/>
+        <p:nvPr/>
+      </p:nvGrpSpPr>
+      <p:grpSpPr>
+        <a:xfrm>
+          <a:off x="0" y="0"/>
+          <a:ext cx="0" cy="0"/>
+          <a:chOff x="0" y="0"/>
+          <a:chExt cx="0" cy="0"/>
+        </a:xfrm>
+      </p:grpSpPr>
+      <p:pic>
+        <p:nvPicPr>
+          <p:cNvPr id="10242" name="Picture 2" descr="How to Draw a Cartoon Whale - How to Draw Cartoons">
+            <a:extLst>
+              <a:ext uri="{FF2B5EF4-FFF2-40B4-BE49-F238E27FC236}">
+                <a16:creationId xmlns:a16="http://schemas.microsoft.com/office/drawing/2014/main" id="{919EB7E5-3968-43C4-877A-32F63C4DF3E9}"/>
+              </a:ext>
+            </a:extLst>
+          </p:cNvPr>
+          <p:cNvPicPr>
+            <a:picLocks noChangeAspect="1" noChangeArrowheads="1"/>
+          </p:cNvPicPr>
+          <p:nvPr/>
+        </p:nvPicPr>
+        <p:blipFill>
+          <a:blip r:embed="rId2">
+            <a:extLst>
+              <a:ext uri="{28A0092B-C50C-407E-A947-70E740481C1C}">
+                <a14:useLocalDpi xmlns:a14="http://schemas.microsoft.com/office/drawing/2010/main" val="0"/>
+              </a:ext>
+            </a:extLst>
+          </a:blip>
+          <a:srcRect/>
+          <a:stretch>
+            <a:fillRect/>
+          </a:stretch>
+        </p:blipFill>
+        <p:spPr bwMode="auto">
+          <a:xfrm>
+            <a:off x="0" y="0"/>
+            <a:ext cx="7197726" cy="7197726"/>
+          </a:xfrm>
+          <a:prstGeom prst="rect">
+            <a:avLst/>
+          </a:prstGeom>
+          <a:noFill/>
+          <a:extLst>
+            <a:ext uri="{909E8E84-426E-40DD-AFC4-6F175D3DCCD1}">
+              <a14:hiddenFill xmlns:a14="http://schemas.microsoft.com/office/drawing/2010/main">
+                <a:solidFill>
+                  <a:srgbClr val="FFFFFF"/>
+                </a:solidFill>
+              </a14:hiddenFill>
+            </a:ext>
+          </a:extLst>
+        </p:spPr>
+      </p:pic>
+    </p:spTree>
+    <p:extLst>
+      <p:ext uri="{BB962C8B-B14F-4D97-AF65-F5344CB8AC3E}">
+        <p14:creationId xmlns:p14="http://schemas.microsoft.com/office/powerpoint/2010/main" val="2144224416"/>
+      </p:ext>
+    </p:extLst>
+  </p:cSld>
+  <p:clrMapOvr>
+    <a:masterClrMapping/>
+  </p:clrMapOvr>
+</p:sld>
+</file>
+
+<file path=ppt/slides/slide2.xml><?xml version="1.0" encoding="utf-8"?>
 <p:sld xmlns:a="http://schemas.openxmlformats.org/drawingml/2006/main" xmlns:r="http://schemas.openxmlformats.org/officeDocument/2006/relationships" xmlns:p="http://schemas.openxmlformats.org/presentationml/2006/main">
   <p:cSld>
     <p:spTree>
@@ -3438,7 +3882,427 @@
 </p:sld>
 </file>
 
-<file path=ppt/slides/slide4.xml><?xml version="1.0" encoding="utf-8"?>
+<file path=ppt/slides/slide20.xml><?xml version="1.0" encoding="utf-8"?>
+<p:sld xmlns:a="http://schemas.openxmlformats.org/drawingml/2006/main" xmlns:r="http://schemas.openxmlformats.org/officeDocument/2006/relationships" xmlns:p="http://schemas.openxmlformats.org/presentationml/2006/main">
+  <p:cSld>
+    <p:spTree>
+      <p:nvGrpSpPr>
+        <p:cNvPr id="1" name=""/>
+        <p:cNvGrpSpPr/>
+        <p:nvPr/>
+      </p:nvGrpSpPr>
+      <p:grpSpPr>
+        <a:xfrm>
+          <a:off x="0" y="0"/>
+          <a:ext cx="0" cy="0"/>
+          <a:chOff x="0" y="0"/>
+          <a:chExt cx="0" cy="0"/>
+        </a:xfrm>
+      </p:grpSpPr>
+      <p:pic>
+        <p:nvPicPr>
+          <p:cNvPr id="11266" name="Picture 2" descr="Seaweed Sea Floor in Digital images | Art, Sea floor, Cartoon ...">
+            <a:extLst>
+              <a:ext uri="{FF2B5EF4-FFF2-40B4-BE49-F238E27FC236}">
+                <a16:creationId xmlns:a16="http://schemas.microsoft.com/office/drawing/2014/main" id="{8AC0E26C-7AB7-451C-BF87-7A749B2B087A}"/>
+              </a:ext>
+            </a:extLst>
+          </p:cNvPr>
+          <p:cNvPicPr>
+            <a:picLocks noChangeAspect="1" noChangeArrowheads="1"/>
+          </p:cNvPicPr>
+          <p:nvPr/>
+        </p:nvPicPr>
+        <p:blipFill>
+          <a:blip r:embed="rId2">
+            <a:extLst>
+              <a:ext uri="{28A0092B-C50C-407E-A947-70E740481C1C}">
+                <a14:useLocalDpi xmlns:a14="http://schemas.microsoft.com/office/drawing/2010/main" val="0"/>
+              </a:ext>
+            </a:extLst>
+          </a:blip>
+          <a:srcRect/>
+          <a:stretch>
+            <a:fillRect/>
+          </a:stretch>
+        </p:blipFill>
+        <p:spPr bwMode="auto">
+          <a:xfrm>
+            <a:off x="0" y="0"/>
+            <a:ext cx="7197726" cy="7197726"/>
+          </a:xfrm>
+          <a:prstGeom prst="rect">
+            <a:avLst/>
+          </a:prstGeom>
+          <a:noFill/>
+          <a:extLst>
+            <a:ext uri="{909E8E84-426E-40DD-AFC4-6F175D3DCCD1}">
+              <a14:hiddenFill xmlns:a14="http://schemas.microsoft.com/office/drawing/2010/main">
+                <a:solidFill>
+                  <a:srgbClr val="FFFFFF"/>
+                </a:solidFill>
+              </a14:hiddenFill>
+            </a:ext>
+          </a:extLst>
+        </p:spPr>
+      </p:pic>
+    </p:spTree>
+    <p:extLst>
+      <p:ext uri="{BB962C8B-B14F-4D97-AF65-F5344CB8AC3E}">
+        <p14:creationId xmlns:p14="http://schemas.microsoft.com/office/powerpoint/2010/main" val="2089258161"/>
+      </p:ext>
+    </p:extLst>
+  </p:cSld>
+  <p:clrMapOvr>
+    <a:masterClrMapping/>
+  </p:clrMapOvr>
+</p:sld>
+</file>
+
+<file path=ppt/slides/slide21.xml><?xml version="1.0" encoding="utf-8"?>
+<p:sld xmlns:a="http://schemas.openxmlformats.org/drawingml/2006/main" xmlns:r="http://schemas.openxmlformats.org/officeDocument/2006/relationships" xmlns:p="http://schemas.openxmlformats.org/presentationml/2006/main">
+  <p:cSld>
+    <p:spTree>
+      <p:nvGrpSpPr>
+        <p:cNvPr id="1" name=""/>
+        <p:cNvGrpSpPr/>
+        <p:nvPr/>
+      </p:nvGrpSpPr>
+      <p:grpSpPr>
+        <a:xfrm>
+          <a:off x="0" y="0"/>
+          <a:ext cx="0" cy="0"/>
+          <a:chOff x="0" y="0"/>
+          <a:chExt cx="0" cy="0"/>
+        </a:xfrm>
+      </p:grpSpPr>
+      <p:pic>
+        <p:nvPicPr>
+          <p:cNvPr id="12290" name="Picture 2" descr="Angle,Recreation,Area PNG Clipart - Royalty Free SVG / PNG">
+            <a:extLst>
+              <a:ext uri="{FF2B5EF4-FFF2-40B4-BE49-F238E27FC236}">
+                <a16:creationId xmlns:a16="http://schemas.microsoft.com/office/drawing/2014/main" id="{8CAF98D6-7619-4BE7-97DD-D5F8ED66B291}"/>
+              </a:ext>
+            </a:extLst>
+          </p:cNvPr>
+          <p:cNvPicPr>
+            <a:picLocks noChangeAspect="1" noChangeArrowheads="1"/>
+          </p:cNvPicPr>
+          <p:nvPr/>
+        </p:nvPicPr>
+        <p:blipFill rotWithShape="1">
+          <a:blip r:embed="rId2">
+            <a:extLst>
+              <a:ext uri="{28A0092B-C50C-407E-A947-70E740481C1C}">
+                <a14:useLocalDpi xmlns:a14="http://schemas.microsoft.com/office/drawing/2010/main" val="0"/>
+              </a:ext>
+            </a:extLst>
+          </a:blip>
+          <a:srcRect l="10000" r="10000"/>
+          <a:stretch/>
+        </p:blipFill>
+        <p:spPr bwMode="auto">
+          <a:xfrm>
+            <a:off x="-1" y="0"/>
+            <a:ext cx="7197726" cy="7197726"/>
+          </a:xfrm>
+          <a:prstGeom prst="rect">
+            <a:avLst/>
+          </a:prstGeom>
+          <a:noFill/>
+          <a:extLst>
+            <a:ext uri="{909E8E84-426E-40DD-AFC4-6F175D3DCCD1}">
+              <a14:hiddenFill xmlns:a14="http://schemas.microsoft.com/office/drawing/2010/main">
+                <a:solidFill>
+                  <a:srgbClr val="FFFFFF"/>
+                </a:solidFill>
+              </a14:hiddenFill>
+            </a:ext>
+          </a:extLst>
+        </p:spPr>
+      </p:pic>
+    </p:spTree>
+    <p:extLst>
+      <p:ext uri="{BB962C8B-B14F-4D97-AF65-F5344CB8AC3E}">
+        <p14:creationId xmlns:p14="http://schemas.microsoft.com/office/powerpoint/2010/main" val="844655319"/>
+      </p:ext>
+    </p:extLst>
+  </p:cSld>
+  <p:clrMapOvr>
+    <a:masterClrMapping/>
+  </p:clrMapOvr>
+</p:sld>
+</file>
+
+<file path=ppt/slides/slide22.xml><?xml version="1.0" encoding="utf-8"?>
+<p:sld xmlns:a="http://schemas.openxmlformats.org/drawingml/2006/main" xmlns:r="http://schemas.openxmlformats.org/officeDocument/2006/relationships" xmlns:p="http://schemas.openxmlformats.org/presentationml/2006/main">
+  <p:cSld>
+    <p:spTree>
+      <p:nvGrpSpPr>
+        <p:cNvPr id="1" name=""/>
+        <p:cNvGrpSpPr/>
+        <p:nvPr/>
+      </p:nvGrpSpPr>
+      <p:grpSpPr>
+        <a:xfrm>
+          <a:off x="0" y="0"/>
+          <a:ext cx="0" cy="0"/>
+          <a:chOff x="0" y="0"/>
+          <a:chExt cx="0" cy="0"/>
+        </a:xfrm>
+      </p:grpSpPr>
+      <p:pic>
+        <p:nvPicPr>
+          <p:cNvPr id="13314" name="Picture 2" descr="We know, perhaps, that ignorance is bliss but it may also be that ...">
+            <a:extLst>
+              <a:ext uri="{FF2B5EF4-FFF2-40B4-BE49-F238E27FC236}">
+                <a16:creationId xmlns:a16="http://schemas.microsoft.com/office/drawing/2014/main" id="{6DDCE00B-8641-4F30-BABB-78091CAFBC84}"/>
+              </a:ext>
+            </a:extLst>
+          </p:cNvPr>
+          <p:cNvPicPr>
+            <a:picLocks noChangeAspect="1" noChangeArrowheads="1"/>
+          </p:cNvPicPr>
+          <p:nvPr/>
+        </p:nvPicPr>
+        <p:blipFill rotWithShape="1">
+          <a:blip r:embed="rId2">
+            <a:extLst>
+              <a:ext uri="{28A0092B-C50C-407E-A947-70E740481C1C}">
+                <a14:useLocalDpi xmlns:a14="http://schemas.microsoft.com/office/drawing/2010/main" val="0"/>
+              </a:ext>
+            </a:extLst>
+          </a:blip>
+          <a:srcRect l="-2740" r="-2740"/>
+          <a:stretch/>
+        </p:blipFill>
+        <p:spPr bwMode="auto">
+          <a:xfrm>
+            <a:off x="0" y="0"/>
+            <a:ext cx="7197726" cy="7197726"/>
+          </a:xfrm>
+          <a:prstGeom prst="rect">
+            <a:avLst/>
+          </a:prstGeom>
+          <a:noFill/>
+          <a:extLst>
+            <a:ext uri="{909E8E84-426E-40DD-AFC4-6F175D3DCCD1}">
+              <a14:hiddenFill xmlns:a14="http://schemas.microsoft.com/office/drawing/2010/main">
+                <a:solidFill>
+                  <a:srgbClr val="FFFFFF"/>
+                </a:solidFill>
+              </a14:hiddenFill>
+            </a:ext>
+          </a:extLst>
+        </p:spPr>
+      </p:pic>
+    </p:spTree>
+    <p:extLst>
+      <p:ext uri="{BB962C8B-B14F-4D97-AF65-F5344CB8AC3E}">
+        <p14:creationId xmlns:p14="http://schemas.microsoft.com/office/powerpoint/2010/main" val="2334970531"/>
+      </p:ext>
+    </p:extLst>
+  </p:cSld>
+  <p:clrMapOvr>
+    <a:masterClrMapping/>
+  </p:clrMapOvr>
+</p:sld>
+</file>
+
+<file path=ppt/slides/slide23.xml><?xml version="1.0" encoding="utf-8"?>
+<p:sld xmlns:a="http://schemas.openxmlformats.org/drawingml/2006/main" xmlns:r="http://schemas.openxmlformats.org/officeDocument/2006/relationships" xmlns:p="http://schemas.openxmlformats.org/presentationml/2006/main">
+  <p:cSld>
+    <p:spTree>
+      <p:nvGrpSpPr>
+        <p:cNvPr id="1" name=""/>
+        <p:cNvGrpSpPr/>
+        <p:nvPr/>
+      </p:nvGrpSpPr>
+      <p:grpSpPr>
+        <a:xfrm>
+          <a:off x="0" y="0"/>
+          <a:ext cx="0" cy="0"/>
+          <a:chOff x="0" y="0"/>
+          <a:chExt cx="0" cy="0"/>
+        </a:xfrm>
+      </p:grpSpPr>
+      <p:sp>
+        <p:nvSpPr>
+          <p:cNvPr id="4" name="Rechteck 3">
+            <a:extLst>
+              <a:ext uri="{FF2B5EF4-FFF2-40B4-BE49-F238E27FC236}">
+                <a16:creationId xmlns:a16="http://schemas.microsoft.com/office/drawing/2014/main" id="{C50BE7DD-FB62-444E-AAD6-F67A72D2DAE9}"/>
+              </a:ext>
+            </a:extLst>
+          </p:cNvPr>
+          <p:cNvSpPr/>
+          <p:nvPr/>
+        </p:nvSpPr>
+        <p:spPr>
+          <a:xfrm>
+            <a:off x="1800225" y="228710"/>
+            <a:ext cx="3597275" cy="6463308"/>
+          </a:xfrm>
+          <a:prstGeom prst="rect">
+            <a:avLst/>
+          </a:prstGeom>
+        </p:spPr>
+        <p:txBody>
+          <a:bodyPr>
+            <a:spAutoFit/>
+          </a:bodyPr>
+          <a:lstStyle/>
+          <a:p>
+            <a:r>
+              <a:rPr lang="de-DE" dirty="0"/>
+              <a:t>EASTEREGG</a:t>
+            </a:r>
+          </a:p>
+          <a:p>
+            <a:r>
+              <a:rPr lang="de-DE" dirty="0"/>
+              <a:t>SNAKE</a:t>
+            </a:r>
+          </a:p>
+          <a:p>
+            <a:r>
+              <a:rPr lang="de-DE" dirty="0"/>
+              <a:t>PONG</a:t>
+            </a:r>
+          </a:p>
+          <a:p>
+            <a:r>
+              <a:rPr lang="de-DE" dirty="0"/>
+              <a:t>TETRIS</a:t>
+            </a:r>
+          </a:p>
+          <a:p>
+            <a:r>
+              <a:rPr lang="de-DE" dirty="0"/>
+              <a:t>SHOOTER</a:t>
+            </a:r>
+          </a:p>
+          <a:p>
+            <a:r>
+              <a:rPr lang="de-DE" dirty="0"/>
+              <a:t>REEEE</a:t>
+            </a:r>
+          </a:p>
+          <a:p>
+            <a:endParaRPr lang="de-DE" dirty="0"/>
+          </a:p>
+          <a:p>
+            <a:r>
+              <a:rPr lang="de-DE" dirty="0"/>
+              <a:t>TREE</a:t>
+            </a:r>
+          </a:p>
+          <a:p>
+            <a:r>
+              <a:rPr lang="de-DE" dirty="0"/>
+              <a:t>WATER</a:t>
+            </a:r>
+          </a:p>
+          <a:p>
+            <a:r>
+              <a:rPr lang="de-DE" dirty="0"/>
+              <a:t>SHEEP</a:t>
+            </a:r>
+          </a:p>
+          <a:p>
+            <a:r>
+              <a:rPr lang="de-DE" dirty="0"/>
+              <a:t>FISH</a:t>
+            </a:r>
+          </a:p>
+          <a:p>
+            <a:r>
+              <a:rPr lang="de-DE" dirty="0"/>
+              <a:t>GUY</a:t>
+            </a:r>
+          </a:p>
+          <a:p>
+            <a:r>
+              <a:rPr lang="de-DE" dirty="0"/>
+              <a:t>TEA</a:t>
+            </a:r>
+          </a:p>
+          <a:p>
+            <a:r>
+              <a:rPr lang="de-DE" dirty="0"/>
+              <a:t>GIRL</a:t>
+            </a:r>
+          </a:p>
+          <a:p>
+            <a:r>
+              <a:rPr lang="de-DE" dirty="0"/>
+              <a:t>TIGER</a:t>
+            </a:r>
+          </a:p>
+          <a:p>
+            <a:r>
+              <a:rPr lang="de-DE" dirty="0"/>
+              <a:t>DOG</a:t>
+            </a:r>
+          </a:p>
+          <a:p>
+            <a:r>
+              <a:rPr lang="de-DE" dirty="0"/>
+              <a:t>GOAT</a:t>
+            </a:r>
+          </a:p>
+          <a:p>
+            <a:r>
+              <a:rPr lang="de-DE" dirty="0"/>
+              <a:t>HORSE</a:t>
+            </a:r>
+          </a:p>
+          <a:p>
+            <a:r>
+              <a:rPr lang="de-DE" dirty="0"/>
+              <a:t>DEER</a:t>
+            </a:r>
+          </a:p>
+          <a:p>
+            <a:r>
+              <a:rPr lang="de-DE" dirty="0"/>
+              <a:t>WHALE</a:t>
+            </a:r>
+          </a:p>
+          <a:p>
+            <a:r>
+              <a:rPr lang="de-DE" dirty="0"/>
+              <a:t>SEA</a:t>
+            </a:r>
+          </a:p>
+          <a:p>
+            <a:r>
+              <a:rPr lang="de-DE" dirty="0"/>
+              <a:t>ROAD</a:t>
+            </a:r>
+          </a:p>
+          <a:p>
+            <a:r>
+              <a:rPr lang="de-DE" dirty="0"/>
+              <a:t>PRESIDENT</a:t>
+            </a:r>
+          </a:p>
+        </p:txBody>
+      </p:sp>
+    </p:spTree>
+    <p:extLst>
+      <p:ext uri="{BB962C8B-B14F-4D97-AF65-F5344CB8AC3E}">
+        <p14:creationId xmlns:p14="http://schemas.microsoft.com/office/powerpoint/2010/main" val="3361332487"/>
+      </p:ext>
+    </p:extLst>
+  </p:cSld>
+  <p:clrMapOvr>
+    <a:masterClrMapping/>
+  </p:clrMapOvr>
+</p:sld>
+</file>
+
+<file path=ppt/slides/slide3.xml><?xml version="1.0" encoding="utf-8"?>
 <p:sld xmlns:a="http://schemas.openxmlformats.org/drawingml/2006/main" xmlns:r="http://schemas.openxmlformats.org/officeDocument/2006/relationships" xmlns:p="http://schemas.openxmlformats.org/presentationml/2006/main">
   <p:cSld>
     <p:spTree>
@@ -3515,7 +4379,7 @@
 </p:sld>
 </file>
 
-<file path=ppt/slides/slide5.xml><?xml version="1.0" encoding="utf-8"?>
+<file path=ppt/slides/slide4.xml><?xml version="1.0" encoding="utf-8"?>
 <p:sld xmlns:a="http://schemas.openxmlformats.org/drawingml/2006/main" xmlns:r="http://schemas.openxmlformats.org/officeDocument/2006/relationships" xmlns:p="http://schemas.openxmlformats.org/presentationml/2006/main">
   <p:cSld>
     <p:spTree>
@@ -3592,7 +4456,7 @@
 </p:sld>
 </file>
 
-<file path=ppt/slides/slide6.xml><?xml version="1.0" encoding="utf-8"?>
+<file path=ppt/slides/slide5.xml><?xml version="1.0" encoding="utf-8"?>
 <p:sld xmlns:a="http://schemas.openxmlformats.org/drawingml/2006/main" xmlns:r="http://schemas.openxmlformats.org/officeDocument/2006/relationships" xmlns:p="http://schemas.openxmlformats.org/presentationml/2006/main">
   <p:cSld>
     <p:spTree>
@@ -3651,7 +4515,7 @@
 </p:sld>
 </file>
 
-<file path=ppt/slides/slide7.xml><?xml version="1.0" encoding="utf-8"?>
+<file path=ppt/slides/slide6.xml><?xml version="1.0" encoding="utf-8"?>
 <p:sld xmlns:a="http://schemas.openxmlformats.org/drawingml/2006/main" xmlns:r="http://schemas.openxmlformats.org/officeDocument/2006/relationships" xmlns:p="http://schemas.openxmlformats.org/presentationml/2006/main">
   <p:cSld>
     <p:spTree>
@@ -3726,7 +4590,7 @@
 </p:sld>
 </file>
 
-<file path=ppt/slides/slide8.xml><?xml version="1.0" encoding="utf-8"?>
+<file path=ppt/slides/slide7.xml><?xml version="1.0" encoding="utf-8"?>
 <p:sld xmlns:a="http://schemas.openxmlformats.org/drawingml/2006/main" xmlns:r="http://schemas.openxmlformats.org/officeDocument/2006/relationships" xmlns:p="http://schemas.openxmlformats.org/presentationml/2006/main">
   <p:cSld>
     <p:spTree>
@@ -3801,7 +4665,7 @@
 </p:sld>
 </file>
 
-<file path=ppt/slides/slide9.xml><?xml version="1.0" encoding="utf-8"?>
+<file path=ppt/slides/slide8.xml><?xml version="1.0" encoding="utf-8"?>
 <p:sld xmlns:a="http://schemas.openxmlformats.org/drawingml/2006/main" xmlns:r="http://schemas.openxmlformats.org/officeDocument/2006/relationships" xmlns:p="http://schemas.openxmlformats.org/presentationml/2006/main">
   <p:cSld>
     <p:spTree>
@@ -3869,6 +4733,81 @@
     <p:extLst>
       <p:ext uri="{BB962C8B-B14F-4D97-AF65-F5344CB8AC3E}">
         <p14:creationId xmlns:p14="http://schemas.microsoft.com/office/powerpoint/2010/main" val="2734693062"/>
+      </p:ext>
+    </p:extLst>
+  </p:cSld>
+  <p:clrMapOvr>
+    <a:masterClrMapping/>
+  </p:clrMapOvr>
+</p:sld>
+</file>
+
+<file path=ppt/slides/slide9.xml><?xml version="1.0" encoding="utf-8"?>
+<p:sld xmlns:a="http://schemas.openxmlformats.org/drawingml/2006/main" xmlns:r="http://schemas.openxmlformats.org/officeDocument/2006/relationships" xmlns:p="http://schemas.openxmlformats.org/presentationml/2006/main">
+  <p:cSld>
+    <p:spTree>
+      <p:nvGrpSpPr>
+        <p:cNvPr id="1" name=""/>
+        <p:cNvGrpSpPr/>
+        <p:nvPr/>
+      </p:nvGrpSpPr>
+      <p:grpSpPr>
+        <a:xfrm>
+          <a:off x="0" y="0"/>
+          <a:ext cx="0" cy="0"/>
+          <a:chOff x="0" y="0"/>
+          <a:chExt cx="0" cy="0"/>
+        </a:xfrm>
+      </p:grpSpPr>
+      <p:pic>
+        <p:nvPicPr>
+          <p:cNvPr id="7170" name="Picture 2" descr="Human Behavior,Head,Cattle Like Mammal PNG Clipart - Royalty Free ...">
+            <a:extLst>
+              <a:ext uri="{FF2B5EF4-FFF2-40B4-BE49-F238E27FC236}">
+                <a16:creationId xmlns:a16="http://schemas.microsoft.com/office/drawing/2014/main" id="{31B6F2FA-131E-4E99-88A6-527DB3272A60}"/>
+              </a:ext>
+            </a:extLst>
+          </p:cNvPr>
+          <p:cNvPicPr>
+            <a:picLocks noChangeAspect="1" noChangeArrowheads="1"/>
+          </p:cNvPicPr>
+          <p:nvPr/>
+        </p:nvPicPr>
+        <p:blipFill rotWithShape="1">
+          <a:blip r:embed="rId2">
+            <a:extLst>
+              <a:ext uri="{28A0092B-C50C-407E-A947-70E740481C1C}">
+                <a14:useLocalDpi xmlns:a14="http://schemas.microsoft.com/office/drawing/2010/main" val="0"/>
+              </a:ext>
+            </a:extLst>
+          </a:blip>
+          <a:srcRect l="-2211" t="-7151" r="-2211" b="-7151"/>
+          <a:stretch/>
+        </p:blipFill>
+        <p:spPr bwMode="auto">
+          <a:xfrm>
+            <a:off x="0" y="-1"/>
+            <a:ext cx="7199316" cy="7199314"/>
+          </a:xfrm>
+          <a:prstGeom prst="rect">
+            <a:avLst/>
+          </a:prstGeom>
+          <a:noFill/>
+          <a:extLst>
+            <a:ext uri="{909E8E84-426E-40DD-AFC4-6F175D3DCCD1}">
+              <a14:hiddenFill xmlns:a14="http://schemas.microsoft.com/office/drawing/2010/main">
+                <a:solidFill>
+                  <a:srgbClr val="FFFFFF"/>
+                </a:solidFill>
+              </a14:hiddenFill>
+            </a:ext>
+          </a:extLst>
+        </p:spPr>
+      </p:pic>
+    </p:spTree>
+    <p:extLst>
+      <p:ext uri="{BB962C8B-B14F-4D97-AF65-F5344CB8AC3E}">
+        <p14:creationId xmlns:p14="http://schemas.microsoft.com/office/powerpoint/2010/main" val="2873145653"/>
       </p:ext>
     </p:extLst>
   </p:cSld>
